--- a/05_filas/ejercicios/clase06_ejercicio_1/ejercicio_filas_01_prez.pptx
+++ b/05_filas/ejercicios/clase06_ejercicio_1/ejercicio_filas_01_prez.pptx
@@ -266,8 +266,11 @@
     </a:lvl9pPr>
   </p:defaultTextStyle>
   <p:extLst>
+    <p:ext uri="{EFAFB233-063F-42B5-8137-9DF3F51BA10A}">
+      <p15:sldGuideLst xmlns:p15="http://schemas.microsoft.com/office/powerpoint/2012/main"/>
+    </p:ext>
     <p:ext uri="http://customooxmlschemas.google.com/">
-      <go:slidesCustomData xmlns:go="http://customooxmlschemas.google.com/" xmlns:ahyp="http://schemas.microsoft.com/office/drawing/2018/hyperlinkcolor" xmlns:p15="http://schemas.microsoft.com/office/powerpoint/2012/main" xmlns:p14="http://schemas.microsoft.com/office/powerpoint/2010/main" xmlns:com="http://schemas.openxmlformats.org/drawingml/2006/compatibility" xmlns:pvml="urn:schemas-microsoft-com:office:powerpoint" xmlns:v="urn:schemas-microsoft-com:vml" xmlns:o="urn:schemas-microsoft-com:office:office" xmlns:dgm="http://schemas.openxmlformats.org/drawingml/2006/diagram" xmlns:c="http://schemas.openxmlformats.org/drawingml/2006/chart" xmlns:mv="urn:schemas-microsoft-com:mac:vml" xmlns:mc="http://schemas.openxmlformats.org/markup-compatibility/2006" xmlns="" r:id="rId20" roundtripDataSignature="AMtx7mjYGLHX+ClJzlta3ppo1qn0gIiTIA=="/>
+      <go:slidesCustomData xmlns="" xmlns:mc="http://schemas.openxmlformats.org/markup-compatibility/2006" xmlns:mv="urn:schemas-microsoft-com:mac:vml" xmlns:c="http://schemas.openxmlformats.org/drawingml/2006/chart" xmlns:dgm="http://schemas.openxmlformats.org/drawingml/2006/diagram" xmlns:o="urn:schemas-microsoft-com:office:office" xmlns:v="urn:schemas-microsoft-com:vml" xmlns:pvml="urn:schemas-microsoft-com:office:powerpoint" xmlns:com="http://schemas.openxmlformats.org/drawingml/2006/compatibility" xmlns:p14="http://schemas.microsoft.com/office/powerpoint/2010/main" xmlns:p15="http://schemas.microsoft.com/office/powerpoint/2012/main" xmlns:ahyp="http://schemas.microsoft.com/office/drawing/2018/hyperlinkcolor" xmlns:go="http://customooxmlschemas.google.com/" r:id="rId20" roundtripDataSignature="AMtx7mjYGLHX+ClJzlta3ppo1qn0gIiTIA=="/>
     </p:ext>
   </p:extLst>
 </p:presentation>
@@ -3800,7 +3803,7 @@
         <p:fade/>
       </p:transition>
     </mc:Choice>
-    <mc:Fallback xmlns:ahyp="http://schemas.microsoft.com/office/drawing/2018/hyperlinkcolor" xmlns:p15="http://schemas.microsoft.com/office/powerpoint/2012/main" xmlns:com="http://schemas.openxmlformats.org/drawingml/2006/compatibility" xmlns:pvml="urn:schemas-microsoft-com:office:powerpoint" xmlns:v="urn:schemas-microsoft-com:vml" xmlns:o="urn:schemas-microsoft-com:office:office" xmlns:dgm="http://schemas.openxmlformats.org/drawingml/2006/diagram" xmlns:c="http://schemas.openxmlformats.org/drawingml/2006/chart" xmlns:mv="urn:schemas-microsoft-com:mac:vml" xmlns="">
+    <mc:Fallback xmlns="" xmlns:mv="urn:schemas-microsoft-com:mac:vml" xmlns:c="http://schemas.openxmlformats.org/drawingml/2006/chart" xmlns:dgm="http://schemas.openxmlformats.org/drawingml/2006/diagram" xmlns:o="urn:schemas-microsoft-com:office:office" xmlns:v="urn:schemas-microsoft-com:vml" xmlns:pvml="urn:schemas-microsoft-com:office:powerpoint" xmlns:com="http://schemas.openxmlformats.org/drawingml/2006/compatibility" xmlns:p15="http://schemas.microsoft.com/office/powerpoint/2012/main" xmlns:ahyp="http://schemas.microsoft.com/office/drawing/2018/hyperlinkcolor">
       <p:transition spd="slow">
         <p:fade/>
       </p:transition>
@@ -4761,7 +4764,7 @@
         <p:fade/>
       </p:transition>
     </mc:Choice>
-    <mc:Fallback xmlns:ahyp="http://schemas.microsoft.com/office/drawing/2018/hyperlinkcolor" xmlns:p15="http://schemas.microsoft.com/office/powerpoint/2012/main" xmlns:com="http://schemas.openxmlformats.org/drawingml/2006/compatibility" xmlns:pvml="urn:schemas-microsoft-com:office:powerpoint" xmlns:v="urn:schemas-microsoft-com:vml" xmlns:o="urn:schemas-microsoft-com:office:office" xmlns:dgm="http://schemas.openxmlformats.org/drawingml/2006/diagram" xmlns:c="http://schemas.openxmlformats.org/drawingml/2006/chart" xmlns:mv="urn:schemas-microsoft-com:mac:vml" xmlns="">
+    <mc:Fallback xmlns="" xmlns:mv="urn:schemas-microsoft-com:mac:vml" xmlns:c="http://schemas.openxmlformats.org/drawingml/2006/chart" xmlns:dgm="http://schemas.openxmlformats.org/drawingml/2006/diagram" xmlns:o="urn:schemas-microsoft-com:office:office" xmlns:v="urn:schemas-microsoft-com:vml" xmlns:pvml="urn:schemas-microsoft-com:office:powerpoint" xmlns:com="http://schemas.openxmlformats.org/drawingml/2006/compatibility" xmlns:p15="http://schemas.microsoft.com/office/powerpoint/2012/main" xmlns:ahyp="http://schemas.microsoft.com/office/drawing/2018/hyperlinkcolor">
       <p:transition spd="slow">
         <p:fade/>
       </p:transition>
@@ -5834,7 +5837,7 @@
         <p:fade/>
       </p:transition>
     </mc:Choice>
-    <mc:Fallback xmlns:ahyp="http://schemas.microsoft.com/office/drawing/2018/hyperlinkcolor" xmlns:p15="http://schemas.microsoft.com/office/powerpoint/2012/main" xmlns:com="http://schemas.openxmlformats.org/drawingml/2006/compatibility" xmlns:pvml="urn:schemas-microsoft-com:office:powerpoint" xmlns:v="urn:schemas-microsoft-com:vml" xmlns:o="urn:schemas-microsoft-com:office:office" xmlns:dgm="http://schemas.openxmlformats.org/drawingml/2006/diagram" xmlns:c="http://schemas.openxmlformats.org/drawingml/2006/chart" xmlns:mv="urn:schemas-microsoft-com:mac:vml" xmlns="">
+    <mc:Fallback xmlns="" xmlns:mv="urn:schemas-microsoft-com:mac:vml" xmlns:c="http://schemas.openxmlformats.org/drawingml/2006/chart" xmlns:dgm="http://schemas.openxmlformats.org/drawingml/2006/diagram" xmlns:o="urn:schemas-microsoft-com:office:office" xmlns:v="urn:schemas-microsoft-com:vml" xmlns:pvml="urn:schemas-microsoft-com:office:powerpoint" xmlns:com="http://schemas.openxmlformats.org/drawingml/2006/compatibility" xmlns:p15="http://schemas.microsoft.com/office/powerpoint/2012/main" xmlns:ahyp="http://schemas.microsoft.com/office/drawing/2018/hyperlinkcolor">
       <p:transition spd="slow">
         <p:fade/>
       </p:transition>
@@ -9657,7 +9660,7 @@
         <p:fade/>
       </p:transition>
     </mc:Choice>
-    <mc:Fallback xmlns:ahyp="http://schemas.microsoft.com/office/drawing/2018/hyperlinkcolor" xmlns:p15="http://schemas.microsoft.com/office/powerpoint/2012/main" xmlns:com="http://schemas.openxmlformats.org/drawingml/2006/compatibility" xmlns:pvml="urn:schemas-microsoft-com:office:powerpoint" xmlns:v="urn:schemas-microsoft-com:vml" xmlns:o="urn:schemas-microsoft-com:office:office" xmlns:dgm="http://schemas.openxmlformats.org/drawingml/2006/diagram" xmlns:c="http://schemas.openxmlformats.org/drawingml/2006/chart" xmlns:mv="urn:schemas-microsoft-com:mac:vml" xmlns="">
+    <mc:Fallback xmlns="" xmlns:mv="urn:schemas-microsoft-com:mac:vml" xmlns:c="http://schemas.openxmlformats.org/drawingml/2006/chart" xmlns:dgm="http://schemas.openxmlformats.org/drawingml/2006/diagram" xmlns:o="urn:schemas-microsoft-com:office:office" xmlns:v="urn:schemas-microsoft-com:vml" xmlns:pvml="urn:schemas-microsoft-com:office:powerpoint" xmlns:com="http://schemas.openxmlformats.org/drawingml/2006/compatibility" xmlns:p15="http://schemas.microsoft.com/office/powerpoint/2012/main" xmlns:ahyp="http://schemas.microsoft.com/office/drawing/2018/hyperlinkcolor">
       <p:transition spd="slow">
         <p:fade/>
       </p:transition>
@@ -10809,7 +10812,7 @@
         <p:fade/>
       </p:transition>
     </mc:Choice>
-    <mc:Fallback xmlns:ahyp="http://schemas.microsoft.com/office/drawing/2018/hyperlinkcolor" xmlns:p15="http://schemas.microsoft.com/office/powerpoint/2012/main" xmlns:com="http://schemas.openxmlformats.org/drawingml/2006/compatibility" xmlns:pvml="urn:schemas-microsoft-com:office:powerpoint" xmlns:v="urn:schemas-microsoft-com:vml" xmlns:o="urn:schemas-microsoft-com:office:office" xmlns:dgm="http://schemas.openxmlformats.org/drawingml/2006/diagram" xmlns:c="http://schemas.openxmlformats.org/drawingml/2006/chart" xmlns:mv="urn:schemas-microsoft-com:mac:vml" xmlns="">
+    <mc:Fallback xmlns="" xmlns:mv="urn:schemas-microsoft-com:mac:vml" xmlns:c="http://schemas.openxmlformats.org/drawingml/2006/chart" xmlns:dgm="http://schemas.openxmlformats.org/drawingml/2006/diagram" xmlns:o="urn:schemas-microsoft-com:office:office" xmlns:v="urn:schemas-microsoft-com:vml" xmlns:pvml="urn:schemas-microsoft-com:office:powerpoint" xmlns:com="http://schemas.openxmlformats.org/drawingml/2006/compatibility" xmlns:p15="http://schemas.microsoft.com/office/powerpoint/2012/main" xmlns:ahyp="http://schemas.microsoft.com/office/drawing/2018/hyperlinkcolor">
       <p:transition spd="slow">
         <p:fade/>
       </p:transition>
@@ -11930,7 +11933,7 @@
         <p:fade/>
       </p:transition>
     </mc:Choice>
-    <mc:Fallback xmlns:ahyp="http://schemas.microsoft.com/office/drawing/2018/hyperlinkcolor" xmlns:p15="http://schemas.microsoft.com/office/powerpoint/2012/main" xmlns:com="http://schemas.openxmlformats.org/drawingml/2006/compatibility" xmlns:pvml="urn:schemas-microsoft-com:office:powerpoint" xmlns:v="urn:schemas-microsoft-com:vml" xmlns:o="urn:schemas-microsoft-com:office:office" xmlns:dgm="http://schemas.openxmlformats.org/drawingml/2006/diagram" xmlns:c="http://schemas.openxmlformats.org/drawingml/2006/chart" xmlns:mv="urn:schemas-microsoft-com:mac:vml" xmlns="">
+    <mc:Fallback xmlns="" xmlns:mv="urn:schemas-microsoft-com:mac:vml" xmlns:c="http://schemas.openxmlformats.org/drawingml/2006/chart" xmlns:dgm="http://schemas.openxmlformats.org/drawingml/2006/diagram" xmlns:o="urn:schemas-microsoft-com:office:office" xmlns:v="urn:schemas-microsoft-com:vml" xmlns:pvml="urn:schemas-microsoft-com:office:powerpoint" xmlns:com="http://schemas.openxmlformats.org/drawingml/2006/compatibility" xmlns:p15="http://schemas.microsoft.com/office/powerpoint/2012/main" xmlns:ahyp="http://schemas.microsoft.com/office/drawing/2018/hyperlinkcolor">
       <p:transition spd="slow">
         <p:fade/>
       </p:transition>
@@ -13379,7 +13382,7 @@
         <p:fade/>
       </p:transition>
     </mc:Choice>
-    <mc:Fallback xmlns:ahyp="http://schemas.microsoft.com/office/drawing/2018/hyperlinkcolor" xmlns:p15="http://schemas.microsoft.com/office/powerpoint/2012/main" xmlns:com="http://schemas.openxmlformats.org/drawingml/2006/compatibility" xmlns:pvml="urn:schemas-microsoft-com:office:powerpoint" xmlns:v="urn:schemas-microsoft-com:vml" xmlns:o="urn:schemas-microsoft-com:office:office" xmlns:dgm="http://schemas.openxmlformats.org/drawingml/2006/diagram" xmlns:c="http://schemas.openxmlformats.org/drawingml/2006/chart" xmlns:mv="urn:schemas-microsoft-com:mac:vml" xmlns="">
+    <mc:Fallback xmlns="" xmlns:mv="urn:schemas-microsoft-com:mac:vml" xmlns:c="http://schemas.openxmlformats.org/drawingml/2006/chart" xmlns:dgm="http://schemas.openxmlformats.org/drawingml/2006/diagram" xmlns:o="urn:schemas-microsoft-com:office:office" xmlns:v="urn:schemas-microsoft-com:vml" xmlns:pvml="urn:schemas-microsoft-com:office:powerpoint" xmlns:com="http://schemas.openxmlformats.org/drawingml/2006/compatibility" xmlns:p15="http://schemas.microsoft.com/office/powerpoint/2012/main" xmlns:ahyp="http://schemas.microsoft.com/office/drawing/2018/hyperlinkcolor">
       <p:transition spd="slow">
         <p:fade/>
       </p:transition>
@@ -14180,7 +14183,7 @@
         <p:fade/>
       </p:transition>
     </mc:Choice>
-    <mc:Fallback xmlns:ahyp="http://schemas.microsoft.com/office/drawing/2018/hyperlinkcolor" xmlns:p15="http://schemas.microsoft.com/office/powerpoint/2012/main" xmlns:com="http://schemas.openxmlformats.org/drawingml/2006/compatibility" xmlns:pvml="urn:schemas-microsoft-com:office:powerpoint" xmlns:v="urn:schemas-microsoft-com:vml" xmlns:o="urn:schemas-microsoft-com:office:office" xmlns:dgm="http://schemas.openxmlformats.org/drawingml/2006/diagram" xmlns:c="http://schemas.openxmlformats.org/drawingml/2006/chart" xmlns:mv="urn:schemas-microsoft-com:mac:vml" xmlns="">
+    <mc:Fallback xmlns="" xmlns:mv="urn:schemas-microsoft-com:mac:vml" xmlns:c="http://schemas.openxmlformats.org/drawingml/2006/chart" xmlns:dgm="http://schemas.openxmlformats.org/drawingml/2006/diagram" xmlns:o="urn:schemas-microsoft-com:office:office" xmlns:v="urn:schemas-microsoft-com:vml" xmlns:pvml="urn:schemas-microsoft-com:office:powerpoint" xmlns:com="http://schemas.openxmlformats.org/drawingml/2006/compatibility" xmlns:p15="http://schemas.microsoft.com/office/powerpoint/2012/main" xmlns:ahyp="http://schemas.microsoft.com/office/drawing/2018/hyperlinkcolor">
       <p:transition spd="slow">
         <p:fade/>
       </p:transition>
@@ -14934,7 +14937,7 @@
         <p:fade/>
       </p:transition>
     </mc:Choice>
-    <mc:Fallback xmlns:ahyp="http://schemas.microsoft.com/office/drawing/2018/hyperlinkcolor" xmlns:p15="http://schemas.microsoft.com/office/powerpoint/2012/main" xmlns:com="http://schemas.openxmlformats.org/drawingml/2006/compatibility" xmlns:pvml="urn:schemas-microsoft-com:office:powerpoint" xmlns:v="urn:schemas-microsoft-com:vml" xmlns:o="urn:schemas-microsoft-com:office:office" xmlns:dgm="http://schemas.openxmlformats.org/drawingml/2006/diagram" xmlns:c="http://schemas.openxmlformats.org/drawingml/2006/chart" xmlns:mv="urn:schemas-microsoft-com:mac:vml" xmlns="">
+    <mc:Fallback xmlns="" xmlns:mv="urn:schemas-microsoft-com:mac:vml" xmlns:c="http://schemas.openxmlformats.org/drawingml/2006/chart" xmlns:dgm="http://schemas.openxmlformats.org/drawingml/2006/diagram" xmlns:o="urn:schemas-microsoft-com:office:office" xmlns:v="urn:schemas-microsoft-com:vml" xmlns:pvml="urn:schemas-microsoft-com:office:powerpoint" xmlns:com="http://schemas.openxmlformats.org/drawingml/2006/compatibility" xmlns:p15="http://schemas.microsoft.com/office/powerpoint/2012/main" xmlns:ahyp="http://schemas.microsoft.com/office/drawing/2018/hyperlinkcolor">
       <p:transition spd="slow">
         <p:fade/>
       </p:transition>
@@ -16180,7 +16183,7 @@
         <p:fade/>
       </p:transition>
     </mc:Choice>
-    <mc:Fallback xmlns:ahyp="http://schemas.microsoft.com/office/drawing/2018/hyperlinkcolor" xmlns:p15="http://schemas.microsoft.com/office/powerpoint/2012/main" xmlns:com="http://schemas.openxmlformats.org/drawingml/2006/compatibility" xmlns:pvml="urn:schemas-microsoft-com:office:powerpoint" xmlns:v="urn:schemas-microsoft-com:vml" xmlns:o="urn:schemas-microsoft-com:office:office" xmlns:dgm="http://schemas.openxmlformats.org/drawingml/2006/diagram" xmlns:c="http://schemas.openxmlformats.org/drawingml/2006/chart" xmlns:mv="urn:schemas-microsoft-com:mac:vml" xmlns="">
+    <mc:Fallback xmlns="" xmlns:mv="urn:schemas-microsoft-com:mac:vml" xmlns:c="http://schemas.openxmlformats.org/drawingml/2006/chart" xmlns:dgm="http://schemas.openxmlformats.org/drawingml/2006/diagram" xmlns:o="urn:schemas-microsoft-com:office:office" xmlns:v="urn:schemas-microsoft-com:vml" xmlns:pvml="urn:schemas-microsoft-com:office:powerpoint" xmlns:com="http://schemas.openxmlformats.org/drawingml/2006/compatibility" xmlns:p15="http://schemas.microsoft.com/office/powerpoint/2012/main" xmlns:ahyp="http://schemas.microsoft.com/office/drawing/2018/hyperlinkcolor">
       <p:transition spd="slow">
         <p:fade/>
       </p:transition>
@@ -17532,7 +17535,7 @@
         <p:fade/>
       </p:transition>
     </mc:Choice>
-    <mc:Fallback xmlns:ahyp="http://schemas.microsoft.com/office/drawing/2018/hyperlinkcolor" xmlns:p15="http://schemas.microsoft.com/office/powerpoint/2012/main" xmlns:com="http://schemas.openxmlformats.org/drawingml/2006/compatibility" xmlns:pvml="urn:schemas-microsoft-com:office:powerpoint" xmlns:v="urn:schemas-microsoft-com:vml" xmlns:o="urn:schemas-microsoft-com:office:office" xmlns:dgm="http://schemas.openxmlformats.org/drawingml/2006/diagram" xmlns:c="http://schemas.openxmlformats.org/drawingml/2006/chart" xmlns:mv="urn:schemas-microsoft-com:mac:vml" xmlns="">
+    <mc:Fallback xmlns="" xmlns:mv="urn:schemas-microsoft-com:mac:vml" xmlns:c="http://schemas.openxmlformats.org/drawingml/2006/chart" xmlns:dgm="http://schemas.openxmlformats.org/drawingml/2006/diagram" xmlns:o="urn:schemas-microsoft-com:office:office" xmlns:v="urn:schemas-microsoft-com:vml" xmlns:pvml="urn:schemas-microsoft-com:office:powerpoint" xmlns:com="http://schemas.openxmlformats.org/drawingml/2006/compatibility" xmlns:p15="http://schemas.microsoft.com/office/powerpoint/2012/main" xmlns:ahyp="http://schemas.microsoft.com/office/drawing/2018/hyperlinkcolor">
       <p:transition spd="slow">
         <p:fade/>
       </p:transition>
@@ -19079,7 +19082,7 @@
         <p:fade/>
       </p:transition>
     </mc:Choice>
-    <mc:Fallback xmlns:ahyp="http://schemas.microsoft.com/office/drawing/2018/hyperlinkcolor" xmlns:p15="http://schemas.microsoft.com/office/powerpoint/2012/main" xmlns:com="http://schemas.openxmlformats.org/drawingml/2006/compatibility" xmlns:pvml="urn:schemas-microsoft-com:office:powerpoint" xmlns:v="urn:schemas-microsoft-com:vml" xmlns:o="urn:schemas-microsoft-com:office:office" xmlns:dgm="http://schemas.openxmlformats.org/drawingml/2006/diagram" xmlns:c="http://schemas.openxmlformats.org/drawingml/2006/chart" xmlns:mv="urn:schemas-microsoft-com:mac:vml" xmlns="">
+    <mc:Fallback xmlns="" xmlns:mv="urn:schemas-microsoft-com:mac:vml" xmlns:c="http://schemas.openxmlformats.org/drawingml/2006/chart" xmlns:dgm="http://schemas.openxmlformats.org/drawingml/2006/diagram" xmlns:o="urn:schemas-microsoft-com:office:office" xmlns:v="urn:schemas-microsoft-com:vml" xmlns:pvml="urn:schemas-microsoft-com:office:powerpoint" xmlns:com="http://schemas.openxmlformats.org/drawingml/2006/compatibility" xmlns:p15="http://schemas.microsoft.com/office/powerpoint/2012/main" xmlns:ahyp="http://schemas.microsoft.com/office/drawing/2018/hyperlinkcolor">
       <p:transition spd="slow">
         <p:fade/>
       </p:transition>
@@ -21107,15 +21110,78 @@
               <a:buNone/>
             </a:pPr>
             <a:r>
-              <a:rPr lang="en-US" sz="6700">
+              <a:rPr lang="en-US" sz="6700" dirty="0" err="1">
                 <a:latin typeface="Helvetica Neue"/>
                 <a:ea typeface="Helvetica Neue"/>
                 <a:cs typeface="Helvetica Neue"/>
                 <a:sym typeface="Helvetica Neue"/>
               </a:rPr>
-              <a:t>Practica Filas de Espera: Ejercicio 1</a:t>
+              <a:t>Practica</a:t>
             </a:r>
-            <a:endParaRPr sz="6700">
+            <a:r>
+              <a:rPr lang="en-US" sz="6700" dirty="0">
+                <a:latin typeface="Helvetica Neue"/>
+                <a:ea typeface="Helvetica Neue"/>
+                <a:cs typeface="Helvetica Neue"/>
+                <a:sym typeface="Helvetica Neue"/>
+              </a:rPr>
+              <a:t> </a:t>
+            </a:r>
+            <a:r>
+              <a:rPr lang="en-US" sz="6700" dirty="0" err="1">
+                <a:latin typeface="Helvetica Neue"/>
+                <a:ea typeface="Helvetica Neue"/>
+                <a:cs typeface="Helvetica Neue"/>
+                <a:sym typeface="Helvetica Neue"/>
+              </a:rPr>
+              <a:t>Filas</a:t>
+            </a:r>
+            <a:r>
+              <a:rPr lang="en-US" sz="6700" dirty="0">
+                <a:latin typeface="Helvetica Neue"/>
+                <a:ea typeface="Helvetica Neue"/>
+                <a:cs typeface="Helvetica Neue"/>
+                <a:sym typeface="Helvetica Neue"/>
+              </a:rPr>
+              <a:t> de </a:t>
+            </a:r>
+            <a:r>
+              <a:rPr lang="en-US" sz="6700" dirty="0" err="1">
+                <a:latin typeface="Helvetica Neue"/>
+                <a:ea typeface="Helvetica Neue"/>
+                <a:cs typeface="Helvetica Neue"/>
+                <a:sym typeface="Helvetica Neue"/>
+              </a:rPr>
+              <a:t>Espera</a:t>
+            </a:r>
+            <a:r>
+              <a:rPr lang="en-US" sz="6700" dirty="0">
+                <a:latin typeface="Helvetica Neue"/>
+                <a:ea typeface="Helvetica Neue"/>
+                <a:cs typeface="Helvetica Neue"/>
+                <a:sym typeface="Helvetica Neue"/>
+              </a:rPr>
+              <a:t>: </a:t>
+            </a:r>
+            <a:r>
+              <a:rPr lang="en-US" sz="6700" dirty="0" err="1">
+                <a:latin typeface="Helvetica Neue"/>
+                <a:ea typeface="Helvetica Neue"/>
+                <a:cs typeface="Helvetica Neue"/>
+                <a:sym typeface="Helvetica Neue"/>
+              </a:rPr>
+              <a:t>Ejercicio</a:t>
+            </a:r>
+            <a:r>
+              <a:rPr lang="en-US" sz="6700" dirty="0">
+                <a:latin typeface="Helvetica Neue"/>
+                <a:ea typeface="Helvetica Neue"/>
+                <a:cs typeface="Helvetica Neue"/>
+                <a:sym typeface="Helvetica Neue"/>
+              </a:rPr>
+              <a:t> 1</a:t>
+            </a:r>
+            <a:endParaRPr sz="6700" dirty="0">
               <a:latin typeface="Helvetica Neue"/>
               <a:ea typeface="Helvetica Neue"/>
               <a:cs typeface="Helvetica Neue"/>
@@ -21163,27 +21229,14 @@
               <a:buClr>
                 <a:schemeClr val="dk2"/>
               </a:buClr>
-              <a:buSzPts val="2800"/>
+              <a:buSzPts val="2070"/>
               <a:buFont typeface="Arial"/>
               <a:buNone/>
             </a:pPr>
             <a:r>
-              <a:rPr lang="en-US" sz="2800" dirty="0" err="1"/>
-              <a:t>Investigación</a:t>
+              <a:rPr lang="es-AR" sz="2800" dirty="0"/>
+              <a:t>Investigación Operativa UTN FRBA 2022</a:t>
             </a:r>
-            <a:r>
-              <a:rPr lang="en-US" sz="2800" dirty="0"/>
-              <a:t> </a:t>
-            </a:r>
-            <a:r>
-              <a:rPr lang="en-US" sz="2800" dirty="0" err="1"/>
-              <a:t>Operativa</a:t>
-            </a:r>
-            <a:r>
-              <a:rPr lang="en-US" sz="2800" dirty="0"/>
-              <a:t> UTN FRBA 2021</a:t>
-            </a:r>
-            <a:endParaRPr sz="2800" dirty="0"/>
           </a:p>
           <a:p>
             <a:pPr marL="0" lvl="0" indent="0" algn="l" rtl="0">
@@ -21196,17 +21249,13 @@
               <a:buClr>
                 <a:schemeClr val="dk2"/>
               </a:buClr>
-              <a:buSzPts val="2800"/>
+              <a:buSzPts val="2070"/>
               <a:buFont typeface="Arial"/>
               <a:buNone/>
             </a:pPr>
             <a:r>
-              <a:rPr lang="en-US" sz="2800" dirty="0" err="1"/>
-              <a:t>Curso</a:t>
-            </a:r>
-            <a:r>
-              <a:rPr lang="en-US" sz="2800" dirty="0"/>
-              <a:t>: I4051</a:t>
+              <a:rPr lang="es-AR" sz="2800" dirty="0"/>
+              <a:t>Curso: I4051 (Palazzo)</a:t>
             </a:r>
           </a:p>
           <a:p>
@@ -21214,47 +21263,18 @@
               <a:buSzPts val="2800"/>
             </a:pPr>
             <a:r>
-              <a:rPr lang="en-US" sz="2800" dirty="0" err="1"/>
-              <a:t>Autora</a:t>
+              <a:rPr lang="es-AR" sz="2800" dirty="0"/>
+              <a:t>Docente: </a:t>
             </a:r>
             <a:r>
               <a:rPr lang="en-US" sz="2800" dirty="0"/>
-              <a:t>: Milagros </a:t>
+              <a:t>Milagros </a:t>
             </a:r>
             <a:r>
-              <a:rPr lang="en-US" sz="2800" dirty="0" err="1"/>
+              <a:rPr lang="en-US" sz="2800"/>
               <a:t>Bochor</a:t>
             </a:r>
-            <a:endParaRPr sz="2800" dirty="0"/>
-          </a:p>
-          <a:p>
-            <a:pPr marL="0" lvl="0" indent="0" algn="l" rtl="0">
-              <a:spcBef>
-                <a:spcPts val="0"/>
-              </a:spcBef>
-              <a:spcAft>
-                <a:spcPts val="0"/>
-              </a:spcAft>
-              <a:buClr>
-                <a:schemeClr val="dk2"/>
-              </a:buClr>
-              <a:buSzPts val="2800"/>
-              <a:buFont typeface="Arial"/>
-              <a:buNone/>
-            </a:pPr>
-            <a:r>
-              <a:rPr lang="en-US" sz="2800" dirty="0" err="1"/>
-              <a:t>Docente</a:t>
-            </a:r>
-            <a:r>
-              <a:rPr lang="en-US" sz="2800" dirty="0"/>
-              <a:t>: Martín Palazzo</a:t>
-            </a:r>
-            <a:endParaRPr dirty="0">
-              <a:solidFill>
-                <a:schemeClr val="dk1"/>
-              </a:solidFill>
-            </a:endParaRPr>
+            <a:endParaRPr lang="en-US" sz="2800" dirty="0"/>
           </a:p>
         </p:txBody>
       </p:sp>
@@ -21703,7 +21723,7 @@
         <p:fade/>
       </p:transition>
     </mc:Choice>
-    <mc:Fallback xmlns:ahyp="http://schemas.microsoft.com/office/drawing/2018/hyperlinkcolor" xmlns:p15="http://schemas.microsoft.com/office/powerpoint/2012/main" xmlns:com="http://schemas.openxmlformats.org/drawingml/2006/compatibility" xmlns:pvml="urn:schemas-microsoft-com:office:powerpoint" xmlns:v="urn:schemas-microsoft-com:vml" xmlns:o="urn:schemas-microsoft-com:office:office" xmlns:dgm="http://schemas.openxmlformats.org/drawingml/2006/diagram" xmlns:c="http://schemas.openxmlformats.org/drawingml/2006/chart" xmlns:mv="urn:schemas-microsoft-com:mac:vml" xmlns="">
+    <mc:Fallback xmlns="" xmlns:mv="urn:schemas-microsoft-com:mac:vml" xmlns:c="http://schemas.openxmlformats.org/drawingml/2006/chart" xmlns:dgm="http://schemas.openxmlformats.org/drawingml/2006/diagram" xmlns:o="urn:schemas-microsoft-com:office:office" xmlns:v="urn:schemas-microsoft-com:vml" xmlns:pvml="urn:schemas-microsoft-com:office:powerpoint" xmlns:com="http://schemas.openxmlformats.org/drawingml/2006/compatibility" xmlns:p15="http://schemas.microsoft.com/office/powerpoint/2012/main" xmlns:ahyp="http://schemas.microsoft.com/office/drawing/2018/hyperlinkcolor">
       <p:transition spd="slow">
         <p:fade/>
       </p:transition>
@@ -22628,7 +22648,7 @@
         <p:fade/>
       </p:transition>
     </mc:Choice>
-    <mc:Fallback xmlns:ahyp="http://schemas.microsoft.com/office/drawing/2018/hyperlinkcolor" xmlns:p15="http://schemas.microsoft.com/office/powerpoint/2012/main" xmlns:com="http://schemas.openxmlformats.org/drawingml/2006/compatibility" xmlns:pvml="urn:schemas-microsoft-com:office:powerpoint" xmlns:v="urn:schemas-microsoft-com:vml" xmlns:o="urn:schemas-microsoft-com:office:office" xmlns:dgm="http://schemas.openxmlformats.org/drawingml/2006/diagram" xmlns:c="http://schemas.openxmlformats.org/drawingml/2006/chart" xmlns:mv="urn:schemas-microsoft-com:mac:vml" xmlns="">
+    <mc:Fallback xmlns="" xmlns:mv="urn:schemas-microsoft-com:mac:vml" xmlns:c="http://schemas.openxmlformats.org/drawingml/2006/chart" xmlns:dgm="http://schemas.openxmlformats.org/drawingml/2006/diagram" xmlns:o="urn:schemas-microsoft-com:office:office" xmlns:v="urn:schemas-microsoft-com:vml" xmlns:pvml="urn:schemas-microsoft-com:office:powerpoint" xmlns:com="http://schemas.openxmlformats.org/drawingml/2006/compatibility" xmlns:p15="http://schemas.microsoft.com/office/powerpoint/2012/main" xmlns:ahyp="http://schemas.microsoft.com/office/drawing/2018/hyperlinkcolor">
       <p:transition spd="slow">
         <p:fade/>
       </p:transition>
@@ -23033,7 +23053,7 @@
         <p:fade/>
       </p:transition>
     </mc:Choice>
-    <mc:Fallback xmlns:ahyp="http://schemas.microsoft.com/office/drawing/2018/hyperlinkcolor" xmlns:p15="http://schemas.microsoft.com/office/powerpoint/2012/main" xmlns:com="http://schemas.openxmlformats.org/drawingml/2006/compatibility" xmlns:pvml="urn:schemas-microsoft-com:office:powerpoint" xmlns:v="urn:schemas-microsoft-com:vml" xmlns:o="urn:schemas-microsoft-com:office:office" xmlns:dgm="http://schemas.openxmlformats.org/drawingml/2006/diagram" xmlns:c="http://schemas.openxmlformats.org/drawingml/2006/chart" xmlns:mv="urn:schemas-microsoft-com:mac:vml" xmlns="">
+    <mc:Fallback xmlns="" xmlns:mv="urn:schemas-microsoft-com:mac:vml" xmlns:c="http://schemas.openxmlformats.org/drawingml/2006/chart" xmlns:dgm="http://schemas.openxmlformats.org/drawingml/2006/diagram" xmlns:o="urn:schemas-microsoft-com:office:office" xmlns:v="urn:schemas-microsoft-com:vml" xmlns:pvml="urn:schemas-microsoft-com:office:powerpoint" xmlns:com="http://schemas.openxmlformats.org/drawingml/2006/compatibility" xmlns:p15="http://schemas.microsoft.com/office/powerpoint/2012/main" xmlns:ahyp="http://schemas.microsoft.com/office/drawing/2018/hyperlinkcolor">
       <p:transition spd="slow">
         <p:fade/>
       </p:transition>
@@ -24313,7 +24333,7 @@
         <p:fade/>
       </p:transition>
     </mc:Choice>
-    <mc:Fallback xmlns:ahyp="http://schemas.microsoft.com/office/drawing/2018/hyperlinkcolor" xmlns:p15="http://schemas.microsoft.com/office/powerpoint/2012/main" xmlns:com="http://schemas.openxmlformats.org/drawingml/2006/compatibility" xmlns:pvml="urn:schemas-microsoft-com:office:powerpoint" xmlns:v="urn:schemas-microsoft-com:vml" xmlns:o="urn:schemas-microsoft-com:office:office" xmlns:dgm="http://schemas.openxmlformats.org/drawingml/2006/diagram" xmlns:c="http://schemas.openxmlformats.org/drawingml/2006/chart" xmlns:mv="urn:schemas-microsoft-com:mac:vml" xmlns="">
+    <mc:Fallback xmlns="" xmlns:mv="urn:schemas-microsoft-com:mac:vml" xmlns:c="http://schemas.openxmlformats.org/drawingml/2006/chart" xmlns:dgm="http://schemas.openxmlformats.org/drawingml/2006/diagram" xmlns:o="urn:schemas-microsoft-com:office:office" xmlns:v="urn:schemas-microsoft-com:vml" xmlns:pvml="urn:schemas-microsoft-com:office:powerpoint" xmlns:com="http://schemas.openxmlformats.org/drawingml/2006/compatibility" xmlns:p15="http://schemas.microsoft.com/office/powerpoint/2012/main" xmlns:ahyp="http://schemas.microsoft.com/office/drawing/2018/hyperlinkcolor">
       <p:transition spd="slow">
         <p:fade/>
       </p:transition>
@@ -25344,7 +25364,7 @@
         <p:fade/>
       </p:transition>
     </mc:Choice>
-    <mc:Fallback xmlns:ahyp="http://schemas.microsoft.com/office/drawing/2018/hyperlinkcolor" xmlns:p15="http://schemas.microsoft.com/office/powerpoint/2012/main" xmlns:com="http://schemas.openxmlformats.org/drawingml/2006/compatibility" xmlns:pvml="urn:schemas-microsoft-com:office:powerpoint" xmlns:v="urn:schemas-microsoft-com:vml" xmlns:o="urn:schemas-microsoft-com:office:office" xmlns:dgm="http://schemas.openxmlformats.org/drawingml/2006/diagram" xmlns:c="http://schemas.openxmlformats.org/drawingml/2006/chart" xmlns:mv="urn:schemas-microsoft-com:mac:vml" xmlns="">
+    <mc:Fallback xmlns="" xmlns:mv="urn:schemas-microsoft-com:mac:vml" xmlns:c="http://schemas.openxmlformats.org/drawingml/2006/chart" xmlns:dgm="http://schemas.openxmlformats.org/drawingml/2006/diagram" xmlns:o="urn:schemas-microsoft-com:office:office" xmlns:v="urn:schemas-microsoft-com:vml" xmlns:pvml="urn:schemas-microsoft-com:office:powerpoint" xmlns:com="http://schemas.openxmlformats.org/drawingml/2006/compatibility" xmlns:p15="http://schemas.microsoft.com/office/powerpoint/2012/main" xmlns:ahyp="http://schemas.microsoft.com/office/drawing/2018/hyperlinkcolor">
       <p:transition spd="slow">
         <p:fade/>
       </p:transition>
@@ -26638,7 +26658,7 @@
         <p:fade/>
       </p:transition>
     </mc:Choice>
-    <mc:Fallback xmlns:ahyp="http://schemas.microsoft.com/office/drawing/2018/hyperlinkcolor" xmlns:p15="http://schemas.microsoft.com/office/powerpoint/2012/main" xmlns:com="http://schemas.openxmlformats.org/drawingml/2006/compatibility" xmlns:pvml="urn:schemas-microsoft-com:office:powerpoint" xmlns:v="urn:schemas-microsoft-com:vml" xmlns:o="urn:schemas-microsoft-com:office:office" xmlns:dgm="http://schemas.openxmlformats.org/drawingml/2006/diagram" xmlns:c="http://schemas.openxmlformats.org/drawingml/2006/chart" xmlns:mv="urn:schemas-microsoft-com:mac:vml" xmlns="">
+    <mc:Fallback xmlns="" xmlns:mv="urn:schemas-microsoft-com:mac:vml" xmlns:c="http://schemas.openxmlformats.org/drawingml/2006/chart" xmlns:dgm="http://schemas.openxmlformats.org/drawingml/2006/diagram" xmlns:o="urn:schemas-microsoft-com:office:office" xmlns:v="urn:schemas-microsoft-com:vml" xmlns:pvml="urn:schemas-microsoft-com:office:powerpoint" xmlns:com="http://schemas.openxmlformats.org/drawingml/2006/compatibility" xmlns:p15="http://schemas.microsoft.com/office/powerpoint/2012/main" xmlns:ahyp="http://schemas.microsoft.com/office/drawing/2018/hyperlinkcolor">
       <p:transition spd="slow">
         <p:fade/>
       </p:transition>
@@ -27685,7 +27705,7 @@
         <p:fade/>
       </p:transition>
     </mc:Choice>
-    <mc:Fallback xmlns:ahyp="http://schemas.microsoft.com/office/drawing/2018/hyperlinkcolor" xmlns:p15="http://schemas.microsoft.com/office/powerpoint/2012/main" xmlns:com="http://schemas.openxmlformats.org/drawingml/2006/compatibility" xmlns:pvml="urn:schemas-microsoft-com:office:powerpoint" xmlns:v="urn:schemas-microsoft-com:vml" xmlns:o="urn:schemas-microsoft-com:office:office" xmlns:dgm="http://schemas.openxmlformats.org/drawingml/2006/diagram" xmlns:c="http://schemas.openxmlformats.org/drawingml/2006/chart" xmlns:mv="urn:schemas-microsoft-com:mac:vml" xmlns="">
+    <mc:Fallback xmlns="" xmlns:mv="urn:schemas-microsoft-com:mac:vml" xmlns:c="http://schemas.openxmlformats.org/drawingml/2006/chart" xmlns:dgm="http://schemas.openxmlformats.org/drawingml/2006/diagram" xmlns:o="urn:schemas-microsoft-com:office:office" xmlns:v="urn:schemas-microsoft-com:vml" xmlns:pvml="urn:schemas-microsoft-com:office:powerpoint" xmlns:com="http://schemas.openxmlformats.org/drawingml/2006/compatibility" xmlns:p15="http://schemas.microsoft.com/office/powerpoint/2012/main" xmlns:ahyp="http://schemas.microsoft.com/office/drawing/2018/hyperlinkcolor">
       <p:transition spd="slow">
         <p:fade/>
       </p:transition>
